--- a/doc/opengl.pptx
+++ b/doc/opengl.pptx
@@ -6,12 +6,17 @@
   </p:sldMasterIdLst>
   <p:sldIdLst>
     <p:sldId id="256" r:id="rId2"/>
-    <p:sldId id="257" r:id="rId3"/>
-    <p:sldId id="259" r:id="rId4"/>
-    <p:sldId id="260" r:id="rId5"/>
-    <p:sldId id="261" r:id="rId6"/>
-    <p:sldId id="262" r:id="rId7"/>
-    <p:sldId id="258" r:id="rId8"/>
+    <p:sldId id="263" r:id="rId3"/>
+    <p:sldId id="257" r:id="rId4"/>
+    <p:sldId id="259" r:id="rId5"/>
+    <p:sldId id="260" r:id="rId6"/>
+    <p:sldId id="261" r:id="rId7"/>
+    <p:sldId id="262" r:id="rId8"/>
+    <p:sldId id="258" r:id="rId9"/>
+    <p:sldId id="264" r:id="rId10"/>
+    <p:sldId id="265" r:id="rId11"/>
+    <p:sldId id="266" r:id="rId12"/>
+    <p:sldId id="267" r:id="rId13"/>
   </p:sldIdLst>
   <p:sldSz cx="12192000" cy="6858000"/>
   <p:notesSz cx="6858000" cy="9144000"/>
@@ -110,6 +115,11 @@
       </a:defRPr>
     </a:lvl9pPr>
   </p:defaultTextStyle>
+  <p:extLst>
+    <p:ext uri="{EFAFB233-063F-42B5-8137-9DF3F51BA10A}">
+      <p15:sldGuideLst xmlns:p15="http://schemas.microsoft.com/office/powerpoint/2012/main"/>
+    </p:ext>
+  </p:extLst>
 </p:presentation>
 </file>
 
@@ -244,7 +254,7 @@
           <a:p>
             <a:fld id="{E8C6B3D7-4B8F-4C9D-B13D-A2E5FC73F80D}" type="datetimeFigureOut">
               <a:rPr lang="zh-CN" altLang="en-US" smtClean="0"/>
-              <a:t>2019/6/2</a:t>
+              <a:t>2019/6/8</a:t>
             </a:fld>
             <a:endParaRPr lang="zh-CN" altLang="en-US"/>
           </a:p>
@@ -414,7 +424,7 @@
           <a:p>
             <a:fld id="{E8C6B3D7-4B8F-4C9D-B13D-A2E5FC73F80D}" type="datetimeFigureOut">
               <a:rPr lang="zh-CN" altLang="en-US" smtClean="0"/>
-              <a:t>2019/6/2</a:t>
+              <a:t>2019/6/8</a:t>
             </a:fld>
             <a:endParaRPr lang="zh-CN" altLang="en-US"/>
           </a:p>
@@ -594,7 +604,7 @@
           <a:p>
             <a:fld id="{E8C6B3D7-4B8F-4C9D-B13D-A2E5FC73F80D}" type="datetimeFigureOut">
               <a:rPr lang="zh-CN" altLang="en-US" smtClean="0"/>
-              <a:t>2019/6/2</a:t>
+              <a:t>2019/6/8</a:t>
             </a:fld>
             <a:endParaRPr lang="zh-CN" altLang="en-US"/>
           </a:p>
@@ -764,7 +774,7 @@
           <a:p>
             <a:fld id="{E8C6B3D7-4B8F-4C9D-B13D-A2E5FC73F80D}" type="datetimeFigureOut">
               <a:rPr lang="zh-CN" altLang="en-US" smtClean="0"/>
-              <a:t>2019/6/2</a:t>
+              <a:t>2019/6/8</a:t>
             </a:fld>
             <a:endParaRPr lang="zh-CN" altLang="en-US"/>
           </a:p>
@@ -1010,7 +1020,7 @@
           <a:p>
             <a:fld id="{E8C6B3D7-4B8F-4C9D-B13D-A2E5FC73F80D}" type="datetimeFigureOut">
               <a:rPr lang="zh-CN" altLang="en-US" smtClean="0"/>
-              <a:t>2019/6/2</a:t>
+              <a:t>2019/6/8</a:t>
             </a:fld>
             <a:endParaRPr lang="zh-CN" altLang="en-US"/>
           </a:p>
@@ -1242,7 +1252,7 @@
           <a:p>
             <a:fld id="{E8C6B3D7-4B8F-4C9D-B13D-A2E5FC73F80D}" type="datetimeFigureOut">
               <a:rPr lang="zh-CN" altLang="en-US" smtClean="0"/>
-              <a:t>2019/6/2</a:t>
+              <a:t>2019/6/8</a:t>
             </a:fld>
             <a:endParaRPr lang="zh-CN" altLang="en-US"/>
           </a:p>
@@ -1609,7 +1619,7 @@
           <a:p>
             <a:fld id="{E8C6B3D7-4B8F-4C9D-B13D-A2E5FC73F80D}" type="datetimeFigureOut">
               <a:rPr lang="zh-CN" altLang="en-US" smtClean="0"/>
-              <a:t>2019/6/2</a:t>
+              <a:t>2019/6/8</a:t>
             </a:fld>
             <a:endParaRPr lang="zh-CN" altLang="en-US"/>
           </a:p>
@@ -1727,7 +1737,7 @@
           <a:p>
             <a:fld id="{E8C6B3D7-4B8F-4C9D-B13D-A2E5FC73F80D}" type="datetimeFigureOut">
               <a:rPr lang="zh-CN" altLang="en-US" smtClean="0"/>
-              <a:t>2019/6/2</a:t>
+              <a:t>2019/6/8</a:t>
             </a:fld>
             <a:endParaRPr lang="zh-CN" altLang="en-US"/>
           </a:p>
@@ -1822,7 +1832,7 @@
           <a:p>
             <a:fld id="{E8C6B3D7-4B8F-4C9D-B13D-A2E5FC73F80D}" type="datetimeFigureOut">
               <a:rPr lang="zh-CN" altLang="en-US" smtClean="0"/>
-              <a:t>2019/6/2</a:t>
+              <a:t>2019/6/8</a:t>
             </a:fld>
             <a:endParaRPr lang="zh-CN" altLang="en-US"/>
           </a:p>
@@ -2099,7 +2109,7 @@
           <a:p>
             <a:fld id="{E8C6B3D7-4B8F-4C9D-B13D-A2E5FC73F80D}" type="datetimeFigureOut">
               <a:rPr lang="zh-CN" altLang="en-US" smtClean="0"/>
-              <a:t>2019/6/2</a:t>
+              <a:t>2019/6/8</a:t>
             </a:fld>
             <a:endParaRPr lang="zh-CN" altLang="en-US"/>
           </a:p>
@@ -2352,7 +2362,7 @@
           <a:p>
             <a:fld id="{E8C6B3D7-4B8F-4C9D-B13D-A2E5FC73F80D}" type="datetimeFigureOut">
               <a:rPr lang="zh-CN" altLang="en-US" smtClean="0"/>
-              <a:t>2019/6/2</a:t>
+              <a:t>2019/6/8</a:t>
             </a:fld>
             <a:endParaRPr lang="zh-CN" altLang="en-US"/>
           </a:p>
@@ -2565,7 +2575,7 @@
           <a:p>
             <a:fld id="{E8C6B3D7-4B8F-4C9D-B13D-A2E5FC73F80D}" type="datetimeFigureOut">
               <a:rPr lang="zh-CN" altLang="en-US" smtClean="0"/>
-              <a:t>2019/6/2</a:t>
+              <a:t>2019/6/8</a:t>
             </a:fld>
             <a:endParaRPr lang="zh-CN" altLang="en-US"/>
           </a:p>
@@ -3025,6 +3035,346 @@
 </p:sld>
 </file>
 
+<file path=ppt/slides/slide10.xml><?xml version="1.0" encoding="utf-8"?>
+<p:sld xmlns:a="http://schemas.openxmlformats.org/drawingml/2006/main" xmlns:r="http://schemas.openxmlformats.org/officeDocument/2006/relationships" xmlns:p="http://schemas.openxmlformats.org/presentationml/2006/main">
+  <p:cSld>
+    <p:spTree>
+      <p:nvGrpSpPr>
+        <p:cNvPr id="1" name=""/>
+        <p:cNvGrpSpPr/>
+        <p:nvPr/>
+      </p:nvGrpSpPr>
+      <p:grpSpPr>
+        <a:xfrm>
+          <a:off x="0" y="0"/>
+          <a:ext cx="0" cy="0"/>
+          <a:chOff x="0" y="0"/>
+          <a:chExt cx="0" cy="0"/>
+        </a:xfrm>
+      </p:grpSpPr>
+      <p:sp>
+        <p:nvSpPr>
+          <p:cNvPr id="2" name="标题 1"/>
+          <p:cNvSpPr>
+            <a:spLocks noGrp="1"/>
+          </p:cNvSpPr>
+          <p:nvPr>
+            <p:ph type="title"/>
+          </p:nvPr>
+        </p:nvSpPr>
+        <p:spPr/>
+        <p:txBody>
+          <a:bodyPr/>
+          <a:lstStyle/>
+          <a:p>
+            <a:r>
+              <a:rPr lang="zh-CN" altLang="en-US" dirty="0" smtClean="0"/>
+              <a:t>着色器编译结果</a:t>
+            </a:r>
+            <a:endParaRPr lang="zh-CN" altLang="en-US" dirty="0"/>
+          </a:p>
+        </p:txBody>
+      </p:sp>
+      <p:sp>
+        <p:nvSpPr>
+          <p:cNvPr id="3" name="内容占位符 2"/>
+          <p:cNvSpPr>
+            <a:spLocks noGrp="1"/>
+          </p:cNvSpPr>
+          <p:nvPr>
+            <p:ph idx="1"/>
+          </p:nvPr>
+        </p:nvSpPr>
+        <p:spPr>
+          <a:xfrm>
+            <a:off x="838200" y="1808207"/>
+            <a:ext cx="10515600" cy="4351338"/>
+          </a:xfrm>
+        </p:spPr>
+        <p:txBody>
+          <a:bodyPr/>
+          <a:lstStyle/>
+          <a:p>
+            <a:r>
+              <a:rPr lang="en-US" altLang="zh-CN" dirty="0" err="1" smtClean="0"/>
+              <a:t>glGetShaderiv</a:t>
+            </a:r>
+            <a:r>
+              <a:rPr lang="en-US" altLang="zh-CN" dirty="0" smtClean="0"/>
+              <a:t>()</a:t>
+            </a:r>
+          </a:p>
+          <a:p>
+            <a:r>
+              <a:rPr lang="en-US" altLang="zh-CN" dirty="0" err="1" smtClean="0"/>
+              <a:t>glGetShaderInfoLog</a:t>
+            </a:r>
+            <a:r>
+              <a:rPr lang="en-US" altLang="zh-CN" dirty="0" smtClean="0"/>
+              <a:t>()</a:t>
+            </a:r>
+            <a:endParaRPr lang="zh-CN" altLang="en-US" dirty="0"/>
+          </a:p>
+        </p:txBody>
+      </p:sp>
+    </p:spTree>
+    <p:extLst>
+      <p:ext uri="{BB962C8B-B14F-4D97-AF65-F5344CB8AC3E}">
+        <p14:creationId xmlns:p14="http://schemas.microsoft.com/office/powerpoint/2010/main" val="2586565100"/>
+      </p:ext>
+    </p:extLst>
+  </p:cSld>
+  <p:clrMapOvr>
+    <a:masterClrMapping/>
+  </p:clrMapOvr>
+</p:sld>
+</file>
+
+<file path=ppt/slides/slide11.xml><?xml version="1.0" encoding="utf-8"?>
+<p:sld xmlns:a="http://schemas.openxmlformats.org/drawingml/2006/main" xmlns:r="http://schemas.openxmlformats.org/officeDocument/2006/relationships" xmlns:p="http://schemas.openxmlformats.org/presentationml/2006/main">
+  <p:cSld>
+    <p:spTree>
+      <p:nvGrpSpPr>
+        <p:cNvPr id="1" name=""/>
+        <p:cNvGrpSpPr/>
+        <p:nvPr/>
+      </p:nvGrpSpPr>
+      <p:grpSpPr>
+        <a:xfrm>
+          <a:off x="0" y="0"/>
+          <a:ext cx="0" cy="0"/>
+          <a:chOff x="0" y="0"/>
+          <a:chExt cx="0" cy="0"/>
+        </a:xfrm>
+      </p:grpSpPr>
+      <p:sp>
+        <p:nvSpPr>
+          <p:cNvPr id="2" name="标题 1"/>
+          <p:cNvSpPr>
+            <a:spLocks noGrp="1"/>
+          </p:cNvSpPr>
+          <p:nvPr>
+            <p:ph type="title"/>
+          </p:nvPr>
+        </p:nvSpPr>
+        <p:spPr/>
+        <p:txBody>
+          <a:bodyPr/>
+          <a:lstStyle/>
+          <a:p>
+            <a:r>
+              <a:rPr lang="zh-CN" altLang="en-US" dirty="0"/>
+              <a:t>着色</a:t>
+            </a:r>
+            <a:r>
+              <a:rPr lang="zh-CN" altLang="en-US" dirty="0" smtClean="0"/>
+              <a:t>器程序</a:t>
+            </a:r>
+            <a:endParaRPr lang="zh-CN" altLang="en-US" dirty="0"/>
+          </a:p>
+        </p:txBody>
+      </p:sp>
+      <p:sp>
+        <p:nvSpPr>
+          <p:cNvPr id="3" name="内容占位符 2"/>
+          <p:cNvSpPr>
+            <a:spLocks noGrp="1"/>
+          </p:cNvSpPr>
+          <p:nvPr>
+            <p:ph idx="1"/>
+          </p:nvPr>
+        </p:nvSpPr>
+        <p:spPr/>
+        <p:txBody>
+          <a:bodyPr/>
+          <a:lstStyle/>
+          <a:p>
+            <a:r>
+              <a:rPr lang="en-US" altLang="zh-CN" dirty="0" err="1" smtClean="0"/>
+              <a:t>glCreateProgram</a:t>
+            </a:r>
+            <a:endParaRPr lang="en-US" altLang="zh-CN" dirty="0" smtClean="0"/>
+          </a:p>
+          <a:p>
+            <a:pPr lvl="1"/>
+            <a:r>
+              <a:rPr lang="zh-CN" altLang="en-US" dirty="0" smtClean="0"/>
+              <a:t>分配空的着色器对象</a:t>
+            </a:r>
+            <a:endParaRPr lang="en-US" altLang="zh-CN" dirty="0" smtClean="0"/>
+          </a:p>
+          <a:p>
+            <a:r>
+              <a:rPr lang="zh-CN" altLang="en-US" dirty="0" smtClean="0"/>
+              <a:t>使用着色器对象</a:t>
+            </a:r>
+            <a:endParaRPr lang="en-US" altLang="zh-CN" dirty="0" smtClean="0"/>
+          </a:p>
+          <a:p>
+            <a:pPr lvl="1"/>
+            <a:r>
+              <a:rPr lang="en-US" altLang="zh-CN" dirty="0" err="1" smtClean="0"/>
+              <a:t>glAttachShader</a:t>
+            </a:r>
+            <a:r>
+              <a:rPr lang="en-US" altLang="zh-CN" dirty="0" smtClean="0"/>
+              <a:t>()</a:t>
+            </a:r>
+            <a:endParaRPr lang="en-US" altLang="zh-CN" dirty="0"/>
+          </a:p>
+          <a:p>
+            <a:pPr lvl="1"/>
+            <a:r>
+              <a:rPr lang="en-US" altLang="zh-CN" dirty="0" err="1" smtClean="0"/>
+              <a:t>glDetachShader</a:t>
+            </a:r>
+            <a:r>
+              <a:rPr lang="en-US" altLang="zh-CN" dirty="0" smtClean="0"/>
+              <a:t>()</a:t>
+            </a:r>
+          </a:p>
+          <a:p>
+            <a:r>
+              <a:rPr lang="zh-CN" altLang="en-US" dirty="0" smtClean="0"/>
+              <a:t>连接程序</a:t>
+            </a:r>
+            <a:endParaRPr lang="en-US" altLang="zh-CN" dirty="0"/>
+          </a:p>
+          <a:p>
+            <a:pPr lvl="1"/>
+            <a:r>
+              <a:rPr lang="en-US" altLang="zh-CN" dirty="0" err="1" smtClean="0"/>
+              <a:t>glLinkProgram</a:t>
+            </a:r>
+            <a:r>
+              <a:rPr lang="en-US" altLang="zh-CN" dirty="0" smtClean="0"/>
+              <a:t>()</a:t>
+            </a:r>
+          </a:p>
+          <a:p>
+            <a:r>
+              <a:rPr lang="en-US" altLang="zh-CN" dirty="0" err="1" smtClean="0"/>
+              <a:t>glUseProgram</a:t>
+            </a:r>
+            <a:r>
+              <a:rPr lang="en-US" altLang="zh-CN" dirty="0" smtClean="0"/>
+              <a:t>()</a:t>
+            </a:r>
+          </a:p>
+          <a:p>
+            <a:pPr lvl="1"/>
+            <a:r>
+              <a:rPr lang="zh-CN" altLang="en-US" dirty="0" smtClean="0"/>
+              <a:t>使用</a:t>
+            </a:r>
+            <a:r>
+              <a:rPr lang="en-US" altLang="zh-CN" smtClean="0"/>
+              <a:t>progrma</a:t>
+            </a:r>
+            <a:endParaRPr lang="zh-CN" altLang="en-US" dirty="0"/>
+          </a:p>
+        </p:txBody>
+      </p:sp>
+    </p:spTree>
+    <p:extLst>
+      <p:ext uri="{BB962C8B-B14F-4D97-AF65-F5344CB8AC3E}">
+        <p14:creationId xmlns:p14="http://schemas.microsoft.com/office/powerpoint/2010/main" val="2776149333"/>
+      </p:ext>
+    </p:extLst>
+  </p:cSld>
+  <p:clrMapOvr>
+    <a:masterClrMapping/>
+  </p:clrMapOvr>
+</p:sld>
+</file>
+
+<file path=ppt/slides/slide12.xml><?xml version="1.0" encoding="utf-8"?>
+<p:sld xmlns:a="http://schemas.openxmlformats.org/drawingml/2006/main" xmlns:r="http://schemas.openxmlformats.org/officeDocument/2006/relationships" xmlns:p="http://schemas.openxmlformats.org/presentationml/2006/main">
+  <p:cSld>
+    <p:spTree>
+      <p:nvGrpSpPr>
+        <p:cNvPr id="1" name=""/>
+        <p:cNvGrpSpPr/>
+        <p:nvPr/>
+      </p:nvGrpSpPr>
+      <p:grpSpPr>
+        <a:xfrm>
+          <a:off x="0" y="0"/>
+          <a:ext cx="0" cy="0"/>
+          <a:chOff x="0" y="0"/>
+          <a:chExt cx="0" cy="0"/>
+        </a:xfrm>
+      </p:grpSpPr>
+      <p:sp>
+        <p:nvSpPr>
+          <p:cNvPr id="2" name="标题 1"/>
+          <p:cNvSpPr>
+            <a:spLocks noGrp="1"/>
+          </p:cNvSpPr>
+          <p:nvPr>
+            <p:ph type="title"/>
+          </p:nvPr>
+        </p:nvSpPr>
+        <p:spPr/>
+        <p:txBody>
+          <a:bodyPr/>
+          <a:lstStyle/>
+          <a:p>
+            <a:r>
+              <a:rPr lang="en-US" altLang="zh-CN" dirty="0" smtClean="0"/>
+              <a:t>Program</a:t>
+            </a:r>
+            <a:r>
+              <a:rPr lang="zh-CN" altLang="en-US" dirty="0" smtClean="0"/>
+              <a:t>连接状态</a:t>
+            </a:r>
+            <a:endParaRPr lang="zh-CN" altLang="en-US" dirty="0"/>
+          </a:p>
+        </p:txBody>
+      </p:sp>
+      <p:sp>
+        <p:nvSpPr>
+          <p:cNvPr id="3" name="内容占位符 2"/>
+          <p:cNvSpPr>
+            <a:spLocks noGrp="1"/>
+          </p:cNvSpPr>
+          <p:nvPr>
+            <p:ph idx="1"/>
+          </p:nvPr>
+        </p:nvSpPr>
+        <p:spPr/>
+        <p:txBody>
+          <a:bodyPr/>
+          <a:lstStyle/>
+          <a:p>
+            <a:r>
+              <a:rPr lang="en-US" altLang="zh-CN" dirty="0" err="1" smtClean="0"/>
+              <a:t>glGetProrgramiv</a:t>
+            </a:r>
+            <a:endParaRPr lang="en-US" altLang="zh-CN" dirty="0" smtClean="0"/>
+          </a:p>
+          <a:p>
+            <a:r>
+              <a:rPr lang="en-US" altLang="zh-CN" dirty="0" err="1" smtClean="0"/>
+              <a:t>glGetrProgramInfoLog</a:t>
+            </a:r>
+            <a:endParaRPr lang="zh-CN" altLang="en-US" dirty="0"/>
+          </a:p>
+        </p:txBody>
+      </p:sp>
+    </p:spTree>
+    <p:extLst>
+      <p:ext uri="{BB962C8B-B14F-4D97-AF65-F5344CB8AC3E}">
+        <p14:creationId xmlns:p14="http://schemas.microsoft.com/office/powerpoint/2010/main" val="3842933836"/>
+      </p:ext>
+    </p:extLst>
+  </p:cSld>
+  <p:clrMapOvr>
+    <a:masterClrMapping/>
+  </p:clrMapOvr>
+</p:sld>
+</file>
+
 <file path=ppt/slides/slide2.xml><?xml version="1.0" encoding="utf-8"?>
 <p:sld xmlns:a="http://schemas.openxmlformats.org/drawingml/2006/main" xmlns:r="http://schemas.openxmlformats.org/officeDocument/2006/relationships" xmlns:p="http://schemas.openxmlformats.org/presentationml/2006/main">
   <p:cSld>
@@ -3058,121 +3408,118 @@
           <a:lstStyle/>
           <a:p>
             <a:r>
+              <a:rPr lang="zh-CN" altLang="en-US" dirty="0" smtClean="0"/>
+              <a:t>顶点缓存对象</a:t>
+            </a:r>
+            <a:endParaRPr lang="zh-CN" altLang="en-US" dirty="0"/>
+          </a:p>
+        </p:txBody>
+      </p:sp>
+      <p:sp>
+        <p:nvSpPr>
+          <p:cNvPr id="3" name="内容占位符 2"/>
+          <p:cNvSpPr>
+            <a:spLocks noGrp="1"/>
+          </p:cNvSpPr>
+          <p:nvPr>
+            <p:ph idx="1"/>
+          </p:nvPr>
+        </p:nvSpPr>
+        <p:spPr/>
+        <p:txBody>
+          <a:bodyPr/>
+          <a:lstStyle/>
+          <a:p>
+            <a:r>
+              <a:rPr lang="en-US" altLang="zh-CN" dirty="0" smtClean="0"/>
+              <a:t>VBO(Vertex Buffer Object)</a:t>
+            </a:r>
+          </a:p>
+          <a:p>
+            <a:r>
+              <a:rPr lang="zh-CN" altLang="en-US" dirty="0" smtClean="0"/>
+              <a:t>把顶点存放在</a:t>
+            </a:r>
+            <a:r>
+              <a:rPr lang="en-US" altLang="zh-CN" dirty="0" smtClean="0"/>
+              <a:t>GPU</a:t>
+            </a:r>
+            <a:r>
+              <a:rPr lang="zh-CN" altLang="en-US" dirty="0" smtClean="0"/>
+              <a:t>内存（即显存）</a:t>
+            </a:r>
+            <a:endParaRPr lang="en-US" altLang="zh-CN" dirty="0" smtClean="0"/>
+          </a:p>
+          <a:p>
+            <a:r>
+              <a:rPr lang="zh-CN" altLang="en-US" dirty="0" smtClean="0"/>
+              <a:t>从</a:t>
+            </a:r>
+            <a:r>
               <a:rPr lang="en-US" altLang="zh-CN" dirty="0" err="1" smtClean="0"/>
-              <a:t>glGenBuffers</a:t>
-            </a:r>
-            <a:endParaRPr lang="zh-CN" altLang="en-US" dirty="0"/>
-          </a:p>
-        </p:txBody>
-      </p:sp>
-      <p:sp>
-        <p:nvSpPr>
-          <p:cNvPr id="3" name="内容占位符 2"/>
-          <p:cNvSpPr>
-            <a:spLocks noGrp="1"/>
-          </p:cNvSpPr>
-          <p:nvPr>
-            <p:ph idx="1"/>
-          </p:nvPr>
-        </p:nvSpPr>
-        <p:spPr/>
-        <p:txBody>
-          <a:bodyPr/>
-          <a:lstStyle/>
-          <a:p>
-            <a:r>
-              <a:rPr lang="zh-CN" altLang="en-US" dirty="0" smtClean="0"/>
-              <a:t>参数</a:t>
+              <a:t>cpu</a:t>
+            </a:r>
+            <a:r>
+              <a:rPr lang="zh-CN" altLang="en-US" dirty="0" smtClean="0"/>
+              <a:t>到</a:t>
+            </a:r>
+            <a:r>
+              <a:rPr lang="en-US" altLang="zh-CN" dirty="0" smtClean="0"/>
+              <a:t>GPU</a:t>
+            </a:r>
+            <a:r>
+              <a:rPr lang="zh-CN" altLang="en-US" dirty="0" smtClean="0"/>
+              <a:t>比较慢，因此最好一次性发送较多的数据</a:t>
             </a:r>
             <a:endParaRPr lang="en-US" altLang="zh-CN" dirty="0" smtClean="0"/>
           </a:p>
           <a:p>
-            <a:pPr lvl="1"/>
-            <a:r>
-              <a:rPr lang="en-US" altLang="zh-CN" dirty="0" smtClean="0"/>
-              <a:t>N</a:t>
-            </a:r>
-            <a:r>
-              <a:rPr lang="zh-CN" altLang="en-US" dirty="0" smtClean="0"/>
-              <a:t>：代表</a:t>
-            </a:r>
-            <a:r>
-              <a:rPr lang="en-US" altLang="zh-CN" dirty="0" smtClean="0"/>
-              <a:t> </a:t>
-            </a:r>
-            <a:r>
-              <a:rPr lang="zh-CN" altLang="en-US" dirty="0" smtClean="0"/>
-              <a:t>个数</a:t>
+            <a:r>
+              <a:rPr lang="zh-CN" altLang="en-US" dirty="0" smtClean="0"/>
+              <a:t>顶点着色器可以直接访问</a:t>
+            </a:r>
+            <a:r>
+              <a:rPr lang="zh-CN" altLang="en-US" dirty="0"/>
+              <a:t>显</a:t>
+            </a:r>
+            <a:r>
+              <a:rPr lang="zh-CN" altLang="en-US" dirty="0" smtClean="0"/>
+              <a:t>存的数据</a:t>
             </a:r>
             <a:endParaRPr lang="en-US" altLang="zh-CN" dirty="0" smtClean="0"/>
           </a:p>
           <a:p>
-            <a:pPr lvl="1"/>
-            <a:r>
-              <a:rPr lang="en-US" altLang="zh-CN" dirty="0" smtClean="0"/>
-              <a:t>Buffers:</a:t>
-            </a:r>
-            <a:r>
-              <a:rPr lang="zh-CN" altLang="en-US" dirty="0" smtClean="0"/>
-              <a:t>指向缓存 对象名称的数组</a:t>
+            <a:r>
+              <a:rPr lang="zh-CN" altLang="en-US" dirty="0" smtClean="0"/>
+              <a:t>因为</a:t>
+            </a:r>
+            <a:r>
+              <a:rPr lang="en-US" altLang="zh-CN" dirty="0" err="1" smtClean="0"/>
+              <a:t>opengl</a:t>
+            </a:r>
+            <a:r>
+              <a:rPr lang="zh-CN" altLang="en-US" dirty="0" smtClean="0"/>
+              <a:t>类似状态机，所以要先</a:t>
+            </a:r>
+            <a:r>
+              <a:rPr lang="en-US" altLang="zh-CN" dirty="0" err="1" smtClean="0"/>
+              <a:t>bindBuffer</a:t>
+            </a:r>
+            <a:r>
+              <a:rPr lang="en-US" altLang="zh-CN" dirty="0" smtClean="0"/>
+              <a:t>,</a:t>
+            </a:r>
+            <a:r>
+              <a:rPr lang="zh-CN" altLang="en-US" dirty="0" smtClean="0"/>
+              <a:t>表示操作的</a:t>
+            </a:r>
+            <a:r>
+              <a:rPr lang="en-US" altLang="zh-CN" dirty="0" err="1" smtClean="0"/>
+              <a:t>vbo</a:t>
             </a:r>
             <a:endParaRPr lang="en-US" altLang="zh-CN" dirty="0" smtClean="0"/>
           </a:p>
           <a:p>
-            <a:r>
-              <a:rPr lang="zh-CN" altLang="en-US" dirty="0" smtClean="0"/>
-              <a:t>补充</a:t>
-            </a:r>
-            <a:endParaRPr lang="en-US" altLang="zh-CN" dirty="0" smtClean="0"/>
-          </a:p>
-          <a:p>
-            <a:pPr lvl="1"/>
-            <a:r>
-              <a:rPr lang="zh-CN" altLang="en-US" dirty="0" smtClean="0"/>
-              <a:t>不是真正的缓存对象</a:t>
-            </a:r>
-            <a:endParaRPr lang="en-US" altLang="zh-CN" dirty="0" smtClean="0"/>
-          </a:p>
-          <a:p>
-            <a:pPr lvl="1"/>
-            <a:r>
-              <a:rPr lang="zh-CN" altLang="en-US" dirty="0" smtClean="0"/>
-              <a:t>相当与拿到了</a:t>
-            </a:r>
-            <a:r>
-              <a:rPr lang="en-US" altLang="zh-CN" dirty="0" smtClean="0"/>
-              <a:t>n</a:t>
-            </a:r>
-            <a:r>
-              <a:rPr lang="zh-CN" altLang="en-US" dirty="0" smtClean="0"/>
-              <a:t>个名称，未分配空间</a:t>
-            </a:r>
-            <a:endParaRPr lang="en-US" altLang="zh-CN" dirty="0" smtClean="0"/>
-          </a:p>
-          <a:p>
-            <a:pPr lvl="1"/>
-            <a:r>
-              <a:rPr lang="zh-CN" altLang="en-US" dirty="0" smtClean="0"/>
-              <a:t>缓存对象需要绑定具体的缓存结合点才可以使用</a:t>
-            </a:r>
-            <a:r>
-              <a:rPr lang="en-US" altLang="zh-CN" dirty="0" smtClean="0"/>
-              <a:t>(</a:t>
-            </a:r>
-            <a:r>
-              <a:rPr lang="en-US" altLang="zh-CN" dirty="0" err="1" smtClean="0"/>
-              <a:t>glBindBuffer</a:t>
-            </a:r>
-            <a:r>
-              <a:rPr lang="en-US" altLang="zh-CN" dirty="0" smtClean="0"/>
-              <a:t>)</a:t>
-            </a:r>
-            <a:endParaRPr lang="en-US" altLang="zh-CN" dirty="0" smtClean="0"/>
-          </a:p>
-          <a:p>
-            <a:pPr marL="457200" lvl="1" indent="0">
-              <a:buNone/>
-            </a:pPr>
             <a:endParaRPr lang="zh-CN" altLang="en-US" dirty="0"/>
           </a:p>
         </p:txBody>
@@ -3180,7 +3527,7 @@
     </p:spTree>
     <p:extLst>
       <p:ext uri="{BB962C8B-B14F-4D97-AF65-F5344CB8AC3E}">
-        <p14:creationId xmlns:p14="http://schemas.microsoft.com/office/powerpoint/2010/main" val="3670502177"/>
+        <p14:creationId xmlns:p14="http://schemas.microsoft.com/office/powerpoint/2010/main" val="866662092"/>
       </p:ext>
     </p:extLst>
   </p:cSld>
@@ -3224,108 +3571,119 @@
           <a:p>
             <a:r>
               <a:rPr lang="en-US" altLang="zh-CN" dirty="0" err="1" smtClean="0"/>
+              <a:t>glGenBuffers</a:t>
+            </a:r>
+            <a:endParaRPr lang="zh-CN" altLang="en-US" dirty="0"/>
+          </a:p>
+        </p:txBody>
+      </p:sp>
+      <p:sp>
+        <p:nvSpPr>
+          <p:cNvPr id="3" name="内容占位符 2"/>
+          <p:cNvSpPr>
+            <a:spLocks noGrp="1"/>
+          </p:cNvSpPr>
+          <p:nvPr>
+            <p:ph idx="1"/>
+          </p:nvPr>
+        </p:nvSpPr>
+        <p:spPr/>
+        <p:txBody>
+          <a:bodyPr/>
+          <a:lstStyle/>
+          <a:p>
+            <a:r>
+              <a:rPr lang="zh-CN" altLang="en-US" dirty="0" smtClean="0"/>
+              <a:t>参数</a:t>
+            </a:r>
+            <a:endParaRPr lang="en-US" altLang="zh-CN" dirty="0" smtClean="0"/>
+          </a:p>
+          <a:p>
+            <a:pPr lvl="1"/>
+            <a:r>
+              <a:rPr lang="en-US" altLang="zh-CN" dirty="0" smtClean="0"/>
+              <a:t>N</a:t>
+            </a:r>
+            <a:r>
+              <a:rPr lang="zh-CN" altLang="en-US" dirty="0" smtClean="0"/>
+              <a:t>：代表</a:t>
+            </a:r>
+            <a:r>
+              <a:rPr lang="en-US" altLang="zh-CN" dirty="0" smtClean="0"/>
+              <a:t> </a:t>
+            </a:r>
+            <a:r>
+              <a:rPr lang="zh-CN" altLang="en-US" dirty="0" smtClean="0"/>
+              <a:t>个数</a:t>
+            </a:r>
+            <a:endParaRPr lang="en-US" altLang="zh-CN" dirty="0" smtClean="0"/>
+          </a:p>
+          <a:p>
+            <a:pPr lvl="1"/>
+            <a:r>
+              <a:rPr lang="en-US" altLang="zh-CN" dirty="0" smtClean="0"/>
+              <a:t>Buffers:</a:t>
+            </a:r>
+            <a:r>
+              <a:rPr lang="zh-CN" altLang="en-US" dirty="0" smtClean="0"/>
+              <a:t>指向缓存 对象名称的数组</a:t>
+            </a:r>
+            <a:endParaRPr lang="en-US" altLang="zh-CN" dirty="0" smtClean="0"/>
+          </a:p>
+          <a:p>
+            <a:r>
+              <a:rPr lang="zh-CN" altLang="en-US" dirty="0" smtClean="0"/>
+              <a:t>补充</a:t>
+            </a:r>
+            <a:endParaRPr lang="en-US" altLang="zh-CN" dirty="0" smtClean="0"/>
+          </a:p>
+          <a:p>
+            <a:pPr lvl="1"/>
+            <a:r>
+              <a:rPr lang="zh-CN" altLang="en-US" dirty="0" smtClean="0"/>
+              <a:t>不是真正的缓存对象</a:t>
+            </a:r>
+            <a:endParaRPr lang="en-US" altLang="zh-CN" dirty="0" smtClean="0"/>
+          </a:p>
+          <a:p>
+            <a:pPr lvl="1"/>
+            <a:r>
+              <a:rPr lang="zh-CN" altLang="en-US" dirty="0" smtClean="0"/>
+              <a:t>相当与拿到了</a:t>
+            </a:r>
+            <a:r>
+              <a:rPr lang="en-US" altLang="zh-CN" dirty="0" smtClean="0"/>
+              <a:t>n</a:t>
+            </a:r>
+            <a:r>
+              <a:rPr lang="zh-CN" altLang="en-US" dirty="0" smtClean="0"/>
+              <a:t>个名称，未分配空间</a:t>
+            </a:r>
+            <a:endParaRPr lang="en-US" altLang="zh-CN" dirty="0" smtClean="0"/>
+          </a:p>
+          <a:p>
+            <a:pPr lvl="1"/>
+            <a:r>
+              <a:rPr lang="zh-CN" altLang="en-US" dirty="0" smtClean="0"/>
+              <a:t>缓存对象需要绑定具体的缓存结合点才可以使用</a:t>
+            </a:r>
+            <a:r>
+              <a:rPr lang="en-US" altLang="zh-CN" dirty="0" smtClean="0"/>
+              <a:t>(</a:t>
+            </a:r>
+            <a:r>
+              <a:rPr lang="en-US" altLang="zh-CN" dirty="0" err="1" smtClean="0"/>
               <a:t>glBindBuffer</a:t>
             </a:r>
-            <a:endParaRPr lang="zh-CN" altLang="en-US" dirty="0"/>
-          </a:p>
-        </p:txBody>
-      </p:sp>
-      <p:sp>
-        <p:nvSpPr>
-          <p:cNvPr id="3" name="内容占位符 2"/>
-          <p:cNvSpPr>
-            <a:spLocks noGrp="1"/>
-          </p:cNvSpPr>
-          <p:nvPr>
-            <p:ph idx="1"/>
-          </p:nvPr>
-        </p:nvSpPr>
-        <p:spPr/>
-        <p:txBody>
-          <a:bodyPr/>
-          <a:lstStyle/>
-          <a:p>
-            <a:r>
-              <a:rPr lang="zh-CN" altLang="en-US" dirty="0" smtClean="0"/>
-              <a:t>参数</a:t>
-            </a:r>
-            <a:endParaRPr lang="en-US" altLang="zh-CN" dirty="0" smtClean="0"/>
-          </a:p>
-          <a:p>
-            <a:pPr lvl="1"/>
-            <a:r>
-              <a:rPr lang="en-US" altLang="zh-CN" dirty="0" smtClean="0"/>
-              <a:t>Target: </a:t>
-            </a:r>
-            <a:r>
-              <a:rPr lang="zh-CN" altLang="en-US" dirty="0" smtClean="0"/>
-              <a:t>缓存结合点</a:t>
-            </a:r>
-            <a:endParaRPr lang="en-US" altLang="zh-CN" dirty="0" smtClean="0"/>
-          </a:p>
-          <a:p>
-            <a:pPr lvl="1"/>
-            <a:r>
-              <a:rPr lang="en-US" altLang="zh-CN" dirty="0" smtClean="0"/>
-              <a:t>Buffer: </a:t>
-            </a:r>
-            <a:r>
-              <a:rPr lang="zh-CN" altLang="en-US" dirty="0" smtClean="0"/>
-              <a:t>缓存对象</a:t>
-            </a:r>
-            <a:r>
-              <a:rPr lang="en-US" altLang="zh-CN" dirty="0" smtClean="0"/>
-              <a:t>id(</a:t>
-            </a:r>
-            <a:r>
-              <a:rPr lang="en-US" altLang="zh-CN" dirty="0" err="1" smtClean="0"/>
-              <a:t>glGenBuffer</a:t>
-            </a:r>
             <a:r>
               <a:rPr lang="en-US" altLang="zh-CN" dirty="0" smtClean="0"/>
               <a:t>)</a:t>
             </a:r>
           </a:p>
           <a:p>
-            <a:r>
-              <a:rPr lang="zh-CN" altLang="en-US" dirty="0" smtClean="0"/>
-              <a:t>补充</a:t>
-            </a:r>
-            <a:endParaRPr lang="en-US" altLang="zh-CN" dirty="0" smtClean="0"/>
-          </a:p>
-          <a:p>
-            <a:pPr lvl="1"/>
-            <a:r>
-              <a:rPr lang="zh-CN" altLang="en-US" dirty="0" smtClean="0"/>
-              <a:t>如果是第一次被绑定，会创建缓存对象</a:t>
-            </a:r>
-            <a:endParaRPr lang="en-US" altLang="zh-CN" dirty="0" smtClean="0"/>
-          </a:p>
-          <a:p>
-            <a:pPr lvl="1"/>
-            <a:r>
-              <a:rPr lang="zh-CN" altLang="en-US" dirty="0" smtClean="0"/>
-              <a:t>默认状态是，不存在任何数据的缓存区域</a:t>
-            </a:r>
-            <a:endParaRPr lang="en-US" altLang="zh-CN" dirty="0" smtClean="0"/>
-          </a:p>
-          <a:p>
-            <a:r>
-              <a:rPr lang="zh-CN" altLang="en-US" dirty="0" smtClean="0"/>
-              <a:t>写入数据</a:t>
-            </a:r>
-            <a:endParaRPr lang="en-US" altLang="zh-CN" dirty="0" smtClean="0"/>
-          </a:p>
-          <a:p>
-            <a:pPr lvl="1"/>
-            <a:r>
-              <a:rPr lang="en-US" altLang="zh-CN" dirty="0" err="1" smtClean="0"/>
-              <a:t>glBufferData</a:t>
-            </a:r>
-            <a:r>
-              <a:rPr lang="en-US" altLang="zh-CN" dirty="0" smtClean="0"/>
-              <a:t>()</a:t>
-            </a:r>
+            <a:pPr marL="457200" lvl="1" indent="0">
+              <a:buNone/>
+            </a:pPr>
             <a:endParaRPr lang="zh-CN" altLang="en-US" dirty="0"/>
           </a:p>
         </p:txBody>
@@ -3333,7 +3691,7 @@
     </p:spTree>
     <p:extLst>
       <p:ext uri="{BB962C8B-B14F-4D97-AF65-F5344CB8AC3E}">
-        <p14:creationId xmlns:p14="http://schemas.microsoft.com/office/powerpoint/2010/main" val="678146511"/>
+        <p14:creationId xmlns:p14="http://schemas.microsoft.com/office/powerpoint/2010/main" val="3670502177"/>
       </p:ext>
     </p:extLst>
   </p:cSld>
@@ -3377,200 +3735,116 @@
           <a:p>
             <a:r>
               <a:rPr lang="en-US" altLang="zh-CN" dirty="0" err="1" smtClean="0"/>
+              <a:t>glBindBuffer</a:t>
+            </a:r>
+            <a:endParaRPr lang="zh-CN" altLang="en-US" dirty="0"/>
+          </a:p>
+        </p:txBody>
+      </p:sp>
+      <p:sp>
+        <p:nvSpPr>
+          <p:cNvPr id="3" name="内容占位符 2"/>
+          <p:cNvSpPr>
+            <a:spLocks noGrp="1"/>
+          </p:cNvSpPr>
+          <p:nvPr>
+            <p:ph idx="1"/>
+          </p:nvPr>
+        </p:nvSpPr>
+        <p:spPr/>
+        <p:txBody>
+          <a:bodyPr/>
+          <a:lstStyle/>
+          <a:p>
+            <a:r>
+              <a:rPr lang="zh-CN" altLang="en-US" dirty="0" smtClean="0"/>
+              <a:t>参数</a:t>
+            </a:r>
+            <a:endParaRPr lang="en-US" altLang="zh-CN" dirty="0" smtClean="0"/>
+          </a:p>
+          <a:p>
+            <a:pPr lvl="1"/>
+            <a:r>
+              <a:rPr lang="en-US" altLang="zh-CN" dirty="0" smtClean="0"/>
+              <a:t>Target: </a:t>
+            </a:r>
+            <a:r>
+              <a:rPr lang="zh-CN" altLang="en-US" dirty="0" smtClean="0"/>
+              <a:t>缓存结合点</a:t>
+            </a:r>
+            <a:endParaRPr lang="en-US" altLang="zh-CN" dirty="0" smtClean="0"/>
+          </a:p>
+          <a:p>
+            <a:pPr lvl="1"/>
+            <a:r>
+              <a:rPr lang="en-US" altLang="zh-CN" dirty="0" smtClean="0"/>
+              <a:t>Buffer: </a:t>
+            </a:r>
+            <a:r>
+              <a:rPr lang="zh-CN" altLang="en-US" dirty="0" smtClean="0"/>
+              <a:t>缓存对象</a:t>
+            </a:r>
+            <a:r>
+              <a:rPr lang="en-US" altLang="zh-CN" dirty="0" smtClean="0"/>
+              <a:t>id(</a:t>
+            </a:r>
+            <a:r>
+              <a:rPr lang="en-US" altLang="zh-CN" dirty="0" err="1" smtClean="0"/>
+              <a:t>glGenBuffer</a:t>
+            </a:r>
+            <a:r>
+              <a:rPr lang="en-US" altLang="zh-CN" dirty="0" smtClean="0"/>
+              <a:t>)</a:t>
+            </a:r>
+          </a:p>
+          <a:p>
+            <a:r>
+              <a:rPr lang="zh-CN" altLang="en-US" dirty="0" smtClean="0"/>
+              <a:t>补充</a:t>
+            </a:r>
+            <a:endParaRPr lang="en-US" altLang="zh-CN" dirty="0" smtClean="0"/>
+          </a:p>
+          <a:p>
+            <a:pPr lvl="1"/>
+            <a:r>
+              <a:rPr lang="zh-CN" altLang="en-US" dirty="0" smtClean="0"/>
+              <a:t>如果是第一次被绑定，会创建缓存对象</a:t>
+            </a:r>
+            <a:endParaRPr lang="en-US" altLang="zh-CN" dirty="0" smtClean="0"/>
+          </a:p>
+          <a:p>
+            <a:pPr lvl="1"/>
+            <a:r>
+              <a:rPr lang="zh-CN" altLang="en-US" dirty="0" smtClean="0"/>
+              <a:t>默认状态是，不存在任何数据的缓存区域</a:t>
+            </a:r>
+            <a:endParaRPr lang="en-US" altLang="zh-CN" dirty="0" smtClean="0"/>
+          </a:p>
+          <a:p>
+            <a:r>
+              <a:rPr lang="zh-CN" altLang="en-US" dirty="0" smtClean="0"/>
+              <a:t>写入数据</a:t>
+            </a:r>
+            <a:endParaRPr lang="en-US" altLang="zh-CN" dirty="0" smtClean="0"/>
+          </a:p>
+          <a:p>
+            <a:pPr lvl="1"/>
+            <a:r>
+              <a:rPr lang="en-US" altLang="zh-CN" dirty="0" err="1" smtClean="0"/>
               <a:t>glBufferData</a:t>
             </a:r>
+            <a:r>
+              <a:rPr lang="en-US" altLang="zh-CN" dirty="0" smtClean="0"/>
+              <a:t>()</a:t>
+            </a:r>
             <a:endParaRPr lang="zh-CN" altLang="en-US" dirty="0"/>
-          </a:p>
-        </p:txBody>
-      </p:sp>
-      <p:sp>
-        <p:nvSpPr>
-          <p:cNvPr id="3" name="内容占位符 2"/>
-          <p:cNvSpPr>
-            <a:spLocks noGrp="1"/>
-          </p:cNvSpPr>
-          <p:nvPr>
-            <p:ph idx="1"/>
-          </p:nvPr>
-        </p:nvSpPr>
-        <p:spPr/>
-        <p:txBody>
-          <a:bodyPr>
-            <a:normAutofit lnSpcReduction="10000"/>
-          </a:bodyPr>
-          <a:lstStyle/>
-          <a:p>
-            <a:r>
-              <a:rPr lang="zh-CN" altLang="en-US" dirty="0" smtClean="0"/>
-              <a:t>参数</a:t>
-            </a:r>
-            <a:endParaRPr lang="en-US" altLang="zh-CN" dirty="0" smtClean="0"/>
-          </a:p>
-          <a:p>
-            <a:pPr lvl="1"/>
-            <a:r>
-              <a:rPr lang="en-US" altLang="zh-CN" dirty="0" smtClean="0"/>
-              <a:t>Target:</a:t>
-            </a:r>
-            <a:r>
-              <a:rPr lang="zh-CN" altLang="en-US" dirty="0" smtClean="0"/>
-              <a:t>缓存结合点</a:t>
-            </a:r>
-            <a:endParaRPr lang="en-US" altLang="zh-CN" dirty="0" smtClean="0"/>
-          </a:p>
-          <a:p>
-            <a:pPr lvl="1"/>
-            <a:r>
-              <a:rPr lang="en-US" altLang="zh-CN" dirty="0" smtClean="0"/>
-              <a:t>Size:</a:t>
-            </a:r>
-            <a:r>
-              <a:rPr lang="zh-CN" altLang="en-US" dirty="0" smtClean="0"/>
-              <a:t>数据大小</a:t>
-            </a:r>
-            <a:endParaRPr lang="en-US" altLang="zh-CN" dirty="0" smtClean="0"/>
-          </a:p>
-          <a:p>
-            <a:pPr lvl="1"/>
-            <a:r>
-              <a:rPr lang="en-US" altLang="zh-CN" dirty="0" smtClean="0"/>
-              <a:t>Data:</a:t>
-            </a:r>
-            <a:r>
-              <a:rPr lang="zh-CN" altLang="en-US" dirty="0" smtClean="0"/>
-              <a:t>写入的数据</a:t>
-            </a:r>
-            <a:endParaRPr lang="en-US" altLang="zh-CN" dirty="0" smtClean="0"/>
-          </a:p>
-          <a:p>
-            <a:pPr lvl="1"/>
-            <a:r>
-              <a:rPr lang="en-US" altLang="zh-CN" dirty="0" smtClean="0"/>
-              <a:t>Usage: </a:t>
-            </a:r>
-            <a:r>
-              <a:rPr lang="zh-CN" altLang="en-US" dirty="0" smtClean="0"/>
-              <a:t>数据的特点</a:t>
-            </a:r>
-            <a:r>
-              <a:rPr lang="en-US" altLang="zh-CN" dirty="0" smtClean="0"/>
-              <a:t>/</a:t>
-            </a:r>
-            <a:r>
-              <a:rPr lang="zh-CN" altLang="en-US" dirty="0" smtClean="0"/>
-              <a:t>用途（存储类型</a:t>
-            </a:r>
-            <a:r>
-              <a:rPr lang="en-US" altLang="zh-CN" dirty="0" smtClean="0"/>
-              <a:t>_</a:t>
-            </a:r>
-            <a:r>
-              <a:rPr lang="zh-CN" altLang="en-US" dirty="0" smtClean="0"/>
-              <a:t>读写模式）</a:t>
-            </a:r>
-            <a:endParaRPr lang="en-US" altLang="zh-CN" dirty="0" smtClean="0"/>
-          </a:p>
-          <a:p>
-            <a:pPr lvl="2"/>
-            <a:r>
-              <a:rPr lang="en-US" altLang="zh-CN" dirty="0" smtClean="0"/>
-              <a:t>GL_STAICT_DRAW</a:t>
-            </a:r>
-          </a:p>
-          <a:p>
-            <a:pPr lvl="2"/>
-            <a:r>
-              <a:rPr lang="en-US" altLang="zh-CN" dirty="0" smtClean="0"/>
-              <a:t>Static:</a:t>
-            </a:r>
-            <a:r>
-              <a:rPr lang="zh-CN" altLang="en-US" dirty="0" smtClean="0"/>
-              <a:t>只写一次，多次使用</a:t>
-            </a:r>
-            <a:endParaRPr lang="en-US" altLang="zh-CN" dirty="0" smtClean="0"/>
-          </a:p>
-          <a:p>
-            <a:pPr lvl="2"/>
-            <a:r>
-              <a:rPr lang="en-US" altLang="zh-CN" dirty="0" smtClean="0"/>
-              <a:t>Dynamic:</a:t>
-            </a:r>
-            <a:r>
-              <a:rPr lang="zh-CN" altLang="en-US" dirty="0" smtClean="0"/>
-              <a:t>反复使用</a:t>
-            </a:r>
-            <a:endParaRPr lang="en-US" altLang="zh-CN" dirty="0" smtClean="0"/>
-          </a:p>
-          <a:p>
-            <a:pPr lvl="2"/>
-            <a:r>
-              <a:rPr lang="en-US" altLang="zh-CN" dirty="0" smtClean="0"/>
-              <a:t>Stream</a:t>
-            </a:r>
-            <a:r>
-              <a:rPr lang="zh-CN" altLang="en-US" dirty="0" smtClean="0"/>
-              <a:t>：只写如一次，使用不频繁</a:t>
-            </a:r>
-            <a:endParaRPr lang="en-US" altLang="zh-CN" dirty="0" smtClean="0"/>
-          </a:p>
-          <a:p>
-            <a:pPr lvl="2"/>
-            <a:r>
-              <a:rPr lang="en-US" altLang="zh-CN" dirty="0" smtClean="0"/>
-              <a:t>Draw</a:t>
-            </a:r>
-            <a:r>
-              <a:rPr lang="zh-CN" altLang="en-US" dirty="0" smtClean="0"/>
-              <a:t>：用来绘图</a:t>
-            </a:r>
-            <a:r>
-              <a:rPr lang="en-US" altLang="zh-CN" dirty="0" smtClean="0"/>
-              <a:t>,</a:t>
-            </a:r>
-            <a:r>
-              <a:rPr lang="zh-CN" altLang="en-US" dirty="0" smtClean="0"/>
-              <a:t>由程序写入</a:t>
-            </a:r>
-            <a:endParaRPr lang="en-US" altLang="zh-CN" dirty="0" smtClean="0"/>
-          </a:p>
-          <a:p>
-            <a:pPr lvl="2"/>
-            <a:r>
-              <a:rPr lang="en-US" altLang="zh-CN" dirty="0" smtClean="0"/>
-              <a:t>Read:</a:t>
-            </a:r>
-            <a:r>
-              <a:rPr lang="zh-CN" altLang="en-US" dirty="0" smtClean="0"/>
-              <a:t>用来查询数据</a:t>
-            </a:r>
-            <a:endParaRPr lang="en-US" altLang="zh-CN" dirty="0" smtClean="0"/>
-          </a:p>
-          <a:p>
-            <a:pPr lvl="2"/>
-            <a:r>
-              <a:rPr lang="en-US" altLang="zh-CN" dirty="0" smtClean="0"/>
-              <a:t>Copy:</a:t>
-            </a:r>
-            <a:r>
-              <a:rPr lang="zh-CN" altLang="en-US" dirty="0" smtClean="0"/>
-              <a:t>用于绘图，由</a:t>
-            </a:r>
-            <a:r>
-              <a:rPr lang="en-US" altLang="zh-CN" dirty="0" err="1" smtClean="0"/>
-              <a:t>opengl</a:t>
-            </a:r>
-            <a:r>
-              <a:rPr lang="zh-CN" altLang="en-US" dirty="0" smtClean="0"/>
-              <a:t>写入</a:t>
-            </a:r>
-            <a:endParaRPr lang="en-US" altLang="zh-CN" dirty="0" smtClean="0"/>
           </a:p>
         </p:txBody>
       </p:sp>
     </p:spTree>
     <p:extLst>
       <p:ext uri="{BB962C8B-B14F-4D97-AF65-F5344CB8AC3E}">
-        <p14:creationId xmlns:p14="http://schemas.microsoft.com/office/powerpoint/2010/main" val="752966219"/>
+        <p14:creationId xmlns:p14="http://schemas.microsoft.com/office/powerpoint/2010/main" val="678146511"/>
       </p:ext>
     </p:extLst>
   </p:cSld>
@@ -3614,7 +3888,7 @@
           <a:p>
             <a:r>
               <a:rPr lang="en-US" altLang="zh-CN" dirty="0" err="1" smtClean="0"/>
-              <a:t>glBufferSubData</a:t>
+              <a:t>glBufferData</a:t>
             </a:r>
             <a:endParaRPr lang="zh-CN" altLang="en-US" dirty="0"/>
           </a:p>
@@ -3632,7 +3906,9 @@
         </p:nvSpPr>
         <p:spPr/>
         <p:txBody>
-          <a:bodyPr/>
+          <a:bodyPr>
+            <a:normAutofit lnSpcReduction="10000"/>
+          </a:bodyPr>
           <a:lstStyle/>
           <a:p>
             <a:r>
@@ -3645,11 +3921,11 @@
             <a:pPr lvl="1"/>
             <a:r>
               <a:rPr lang="en-US" altLang="zh-CN" dirty="0" smtClean="0"/>
-              <a:t>Target :</a:t>
-            </a:r>
-            <a:r>
-              <a:rPr lang="zh-CN" altLang="en-US" dirty="0" smtClean="0"/>
-              <a:t>缓存结合点，</a:t>
+              <a:t>Target:</a:t>
+            </a:r>
+            <a:r>
+              <a:rPr lang="zh-CN" altLang="en-US" dirty="0" smtClean="0"/>
+              <a:t>缓存结合点</a:t>
             </a:r>
             <a:endParaRPr lang="en-US" altLang="zh-CN" dirty="0" smtClean="0"/>
           </a:p>
@@ -3657,11 +3933,11 @@
             <a:pPr lvl="1"/>
             <a:r>
               <a:rPr lang="en-US" altLang="zh-CN" dirty="0" smtClean="0"/>
-              <a:t>Offset:</a:t>
-            </a:r>
-            <a:r>
-              <a:rPr lang="zh-CN" altLang="en-US" dirty="0" smtClean="0"/>
-              <a:t>偏移量</a:t>
+              <a:t>Size:</a:t>
+            </a:r>
+            <a:r>
+              <a:rPr lang="zh-CN" altLang="en-US" dirty="0" smtClean="0"/>
+              <a:t>数据大小</a:t>
             </a:r>
             <a:endParaRPr lang="en-US" altLang="zh-CN" dirty="0" smtClean="0"/>
           </a:p>
@@ -3669,11 +3945,11 @@
             <a:pPr lvl="1"/>
             <a:r>
               <a:rPr lang="en-US" altLang="zh-CN" dirty="0" smtClean="0"/>
-              <a:t>Size:</a:t>
-            </a:r>
-            <a:r>
-              <a:rPr lang="zh-CN" altLang="en-US" dirty="0" smtClean="0"/>
-              <a:t>数据大小</a:t>
+              <a:t>Data:</a:t>
+            </a:r>
+            <a:r>
+              <a:rPr lang="zh-CN" altLang="en-US" dirty="0" smtClean="0"/>
+              <a:t>写入的数据</a:t>
             </a:r>
             <a:endParaRPr lang="en-US" altLang="zh-CN" dirty="0" smtClean="0"/>
           </a:p>
@@ -3681,20 +3957,131 @@
             <a:pPr lvl="1"/>
             <a:r>
               <a:rPr lang="en-US" altLang="zh-CN" dirty="0" smtClean="0"/>
-              <a:t>Data:</a:t>
-            </a:r>
-            <a:r>
-              <a:rPr lang="zh-CN" altLang="en-US" dirty="0" smtClean="0"/>
-              <a:t>数据</a:t>
-            </a:r>
-            <a:endParaRPr lang="zh-CN" altLang="en-US" dirty="0"/>
+              <a:t>Usage: </a:t>
+            </a:r>
+            <a:r>
+              <a:rPr lang="zh-CN" altLang="en-US" dirty="0" smtClean="0"/>
+              <a:t>数据的特点</a:t>
+            </a:r>
+            <a:r>
+              <a:rPr lang="en-US" altLang="zh-CN" dirty="0" smtClean="0"/>
+              <a:t>/</a:t>
+            </a:r>
+            <a:r>
+              <a:rPr lang="zh-CN" altLang="en-US" dirty="0" smtClean="0"/>
+              <a:t>用途（存储类型</a:t>
+            </a:r>
+            <a:r>
+              <a:rPr lang="en-US" altLang="zh-CN" dirty="0" smtClean="0"/>
+              <a:t>_</a:t>
+            </a:r>
+            <a:r>
+              <a:rPr lang="zh-CN" altLang="en-US" dirty="0" smtClean="0"/>
+              <a:t>读写模式）</a:t>
+            </a:r>
+            <a:endParaRPr lang="en-US" altLang="zh-CN" dirty="0" smtClean="0"/>
+          </a:p>
+          <a:p>
+            <a:pPr lvl="2"/>
+            <a:r>
+              <a:rPr lang="en-US" altLang="zh-CN" dirty="0" smtClean="0"/>
+              <a:t>GL_STAICT_DRAW</a:t>
+            </a:r>
+          </a:p>
+          <a:p>
+            <a:pPr lvl="2"/>
+            <a:r>
+              <a:rPr lang="en-US" altLang="zh-CN" dirty="0" smtClean="0"/>
+              <a:t>Static:</a:t>
+            </a:r>
+            <a:r>
+              <a:rPr lang="zh-CN" altLang="en-US" dirty="0" smtClean="0"/>
+              <a:t>只写一次，多次使用</a:t>
+            </a:r>
+            <a:endParaRPr lang="en-US" altLang="zh-CN" dirty="0" smtClean="0"/>
+          </a:p>
+          <a:p>
+            <a:pPr lvl="2"/>
+            <a:r>
+              <a:rPr lang="en-US" altLang="zh-CN" dirty="0" smtClean="0"/>
+              <a:t>Dynamic:</a:t>
+            </a:r>
+            <a:r>
+              <a:rPr lang="zh-CN" altLang="en-US" dirty="0" smtClean="0"/>
+              <a:t>反复使用</a:t>
+            </a:r>
+            <a:endParaRPr lang="en-US" altLang="zh-CN" dirty="0" smtClean="0"/>
+          </a:p>
+          <a:p>
+            <a:pPr lvl="2"/>
+            <a:r>
+              <a:rPr lang="en-US" altLang="zh-CN" dirty="0" smtClean="0"/>
+              <a:t>Stream</a:t>
+            </a:r>
+            <a:r>
+              <a:rPr lang="zh-CN" altLang="en-US" dirty="0" smtClean="0"/>
+              <a:t>：只写如一次，使用不频繁</a:t>
+            </a:r>
+            <a:endParaRPr lang="en-US" altLang="zh-CN" dirty="0" smtClean="0"/>
+          </a:p>
+          <a:p>
+            <a:pPr lvl="2"/>
+            <a:r>
+              <a:rPr lang="en-US" altLang="zh-CN" dirty="0" smtClean="0"/>
+              <a:t>Draw</a:t>
+            </a:r>
+            <a:r>
+              <a:rPr lang="zh-CN" altLang="en-US" dirty="0" smtClean="0"/>
+              <a:t>：用来绘图</a:t>
+            </a:r>
+            <a:r>
+              <a:rPr lang="en-US" altLang="zh-CN" dirty="0" smtClean="0"/>
+              <a:t>,</a:t>
+            </a:r>
+            <a:r>
+              <a:rPr lang="zh-CN" altLang="en-US" dirty="0" smtClean="0"/>
+              <a:t>由程序写入</a:t>
+            </a:r>
+            <a:endParaRPr lang="en-US" altLang="zh-CN" dirty="0" smtClean="0"/>
+          </a:p>
+          <a:p>
+            <a:pPr lvl="2"/>
+            <a:r>
+              <a:rPr lang="en-US" altLang="zh-CN" dirty="0" smtClean="0"/>
+              <a:t>Read:</a:t>
+            </a:r>
+            <a:r>
+              <a:rPr lang="zh-CN" altLang="en-US" dirty="0" smtClean="0"/>
+              <a:t>用来查询数据</a:t>
+            </a:r>
+            <a:endParaRPr lang="en-US" altLang="zh-CN" dirty="0" smtClean="0"/>
+          </a:p>
+          <a:p>
+            <a:pPr lvl="2"/>
+            <a:r>
+              <a:rPr lang="en-US" altLang="zh-CN" dirty="0" smtClean="0"/>
+              <a:t>Copy:</a:t>
+            </a:r>
+            <a:r>
+              <a:rPr lang="zh-CN" altLang="en-US" dirty="0" smtClean="0"/>
+              <a:t>用于绘图，由</a:t>
+            </a:r>
+            <a:r>
+              <a:rPr lang="en-US" altLang="zh-CN" dirty="0" err="1" smtClean="0"/>
+              <a:t>opengl</a:t>
+            </a:r>
+            <a:r>
+              <a:rPr lang="zh-CN" altLang="en-US" dirty="0" smtClean="0"/>
+              <a:t>写入</a:t>
+            </a:r>
+            <a:endParaRPr lang="en-US" altLang="zh-CN" dirty="0" smtClean="0"/>
           </a:p>
         </p:txBody>
       </p:sp>
     </p:spTree>
     <p:extLst>
       <p:ext uri="{BB962C8B-B14F-4D97-AF65-F5344CB8AC3E}">
-        <p14:creationId xmlns:p14="http://schemas.microsoft.com/office/powerpoint/2010/main" val="2149085858"/>
+        <p14:creationId xmlns:p14="http://schemas.microsoft.com/office/powerpoint/2010/main" val="752966219"/>
       </p:ext>
     </p:extLst>
   </p:cSld>
@@ -3737,12 +4124,8 @@
           <a:lstStyle/>
           <a:p>
             <a:r>
-              <a:rPr lang="zh-CN" altLang="en-US" dirty="0" smtClean="0"/>
-              <a:t>清除</a:t>
-            </a:r>
-            <a:r>
-              <a:rPr lang="en-US" altLang="zh-CN" dirty="0" smtClean="0"/>
-              <a:t>buffer</a:t>
+              <a:rPr lang="en-US" altLang="zh-CN" dirty="0" err="1" smtClean="0"/>
+              <a:t>glBufferSubData</a:t>
             </a:r>
             <a:endParaRPr lang="zh-CN" altLang="en-US" dirty="0"/>
           </a:p>
@@ -3764,15 +4147,56 @@
           <a:lstStyle/>
           <a:p>
             <a:r>
-              <a:rPr lang="en-US" altLang="zh-CN" dirty="0" err="1" smtClean="0"/>
-              <a:t>GlclearBufferData</a:t>
+              <a:rPr lang="zh-CN" altLang="en-US" dirty="0" smtClean="0"/>
+              <a:t>参数</a:t>
             </a:r>
             <a:endParaRPr lang="en-US" altLang="zh-CN" dirty="0" smtClean="0"/>
           </a:p>
           <a:p>
-            <a:r>
-              <a:rPr lang="en-US" altLang="zh-CN" dirty="0" err="1" smtClean="0"/>
-              <a:t>glClearBurrerSubData</a:t>
+            <a:pPr lvl="1"/>
+            <a:r>
+              <a:rPr lang="en-US" altLang="zh-CN" dirty="0" smtClean="0"/>
+              <a:t>Target :</a:t>
+            </a:r>
+            <a:r>
+              <a:rPr lang="zh-CN" altLang="en-US" dirty="0" smtClean="0"/>
+              <a:t>缓存结合点，</a:t>
+            </a:r>
+            <a:endParaRPr lang="en-US" altLang="zh-CN" dirty="0" smtClean="0"/>
+          </a:p>
+          <a:p>
+            <a:pPr lvl="1"/>
+            <a:r>
+              <a:rPr lang="en-US" altLang="zh-CN" dirty="0" smtClean="0"/>
+              <a:t>Offset:</a:t>
+            </a:r>
+            <a:r>
+              <a:rPr lang="zh-CN" altLang="en-US" dirty="0" smtClean="0"/>
+              <a:t>偏移量</a:t>
+            </a:r>
+            <a:endParaRPr lang="en-US" altLang="zh-CN" dirty="0" smtClean="0"/>
+          </a:p>
+          <a:p>
+            <a:pPr lvl="1"/>
+            <a:r>
+              <a:rPr lang="en-US" altLang="zh-CN" dirty="0" smtClean="0"/>
+              <a:t>Size:</a:t>
+            </a:r>
+            <a:r>
+              <a:rPr lang="zh-CN" altLang="en-US" dirty="0" smtClean="0"/>
+              <a:t>数据大小</a:t>
+            </a:r>
+            <a:endParaRPr lang="en-US" altLang="zh-CN" dirty="0" smtClean="0"/>
+          </a:p>
+          <a:p>
+            <a:pPr lvl="1"/>
+            <a:r>
+              <a:rPr lang="en-US" altLang="zh-CN" dirty="0" smtClean="0"/>
+              <a:t>Data:</a:t>
+            </a:r>
+            <a:r>
+              <a:rPr lang="zh-CN" altLang="en-US" dirty="0" smtClean="0"/>
+              <a:t>数据</a:t>
             </a:r>
             <a:endParaRPr lang="zh-CN" altLang="en-US" dirty="0"/>
           </a:p>
@@ -3781,7 +4205,7 @@
     </p:spTree>
     <p:extLst>
       <p:ext uri="{BB962C8B-B14F-4D97-AF65-F5344CB8AC3E}">
-        <p14:creationId xmlns:p14="http://schemas.microsoft.com/office/powerpoint/2010/main" val="836022525"/>
+        <p14:creationId xmlns:p14="http://schemas.microsoft.com/office/powerpoint/2010/main" val="2149085858"/>
       </p:ext>
     </p:extLst>
   </p:cSld>
@@ -3825,6 +4249,93 @@
           <a:p>
             <a:r>
               <a:rPr lang="zh-CN" altLang="en-US" dirty="0" smtClean="0"/>
+              <a:t>清除</a:t>
+            </a:r>
+            <a:r>
+              <a:rPr lang="en-US" altLang="zh-CN" dirty="0" smtClean="0"/>
+              <a:t>buffer</a:t>
+            </a:r>
+            <a:endParaRPr lang="zh-CN" altLang="en-US" dirty="0"/>
+          </a:p>
+        </p:txBody>
+      </p:sp>
+      <p:sp>
+        <p:nvSpPr>
+          <p:cNvPr id="3" name="内容占位符 2"/>
+          <p:cNvSpPr>
+            <a:spLocks noGrp="1"/>
+          </p:cNvSpPr>
+          <p:nvPr>
+            <p:ph idx="1"/>
+          </p:nvPr>
+        </p:nvSpPr>
+        <p:spPr/>
+        <p:txBody>
+          <a:bodyPr/>
+          <a:lstStyle/>
+          <a:p>
+            <a:r>
+              <a:rPr lang="en-US" altLang="zh-CN" dirty="0" err="1" smtClean="0"/>
+              <a:t>GlclearBufferData</a:t>
+            </a:r>
+            <a:endParaRPr lang="en-US" altLang="zh-CN" dirty="0" smtClean="0"/>
+          </a:p>
+          <a:p>
+            <a:r>
+              <a:rPr lang="en-US" altLang="zh-CN" dirty="0" err="1" smtClean="0"/>
+              <a:t>glClearBurrerSubData</a:t>
+            </a:r>
+            <a:endParaRPr lang="zh-CN" altLang="en-US" dirty="0"/>
+          </a:p>
+        </p:txBody>
+      </p:sp>
+    </p:spTree>
+    <p:extLst>
+      <p:ext uri="{BB962C8B-B14F-4D97-AF65-F5344CB8AC3E}">
+        <p14:creationId xmlns:p14="http://schemas.microsoft.com/office/powerpoint/2010/main" val="836022525"/>
+      </p:ext>
+    </p:extLst>
+  </p:cSld>
+  <p:clrMapOvr>
+    <a:masterClrMapping/>
+  </p:clrMapOvr>
+</p:sld>
+</file>
+
+<file path=ppt/slides/slide8.xml><?xml version="1.0" encoding="utf-8"?>
+<p:sld xmlns:a="http://schemas.openxmlformats.org/drawingml/2006/main" xmlns:r="http://schemas.openxmlformats.org/officeDocument/2006/relationships" xmlns:p="http://schemas.openxmlformats.org/presentationml/2006/main">
+  <p:cSld>
+    <p:spTree>
+      <p:nvGrpSpPr>
+        <p:cNvPr id="1" name=""/>
+        <p:cNvGrpSpPr/>
+        <p:nvPr/>
+      </p:nvGrpSpPr>
+      <p:grpSpPr>
+        <a:xfrm>
+          <a:off x="0" y="0"/>
+          <a:ext cx="0" cy="0"/>
+          <a:chOff x="0" y="0"/>
+          <a:chExt cx="0" cy="0"/>
+        </a:xfrm>
+      </p:grpSpPr>
+      <p:sp>
+        <p:nvSpPr>
+          <p:cNvPr id="2" name="标题 1"/>
+          <p:cNvSpPr>
+            <a:spLocks noGrp="1"/>
+          </p:cNvSpPr>
+          <p:nvPr>
+            <p:ph type="title"/>
+          </p:nvPr>
+        </p:nvSpPr>
+        <p:spPr/>
+        <p:txBody>
+          <a:bodyPr/>
+          <a:lstStyle/>
+          <a:p>
+            <a:r>
+              <a:rPr lang="zh-CN" altLang="en-US" dirty="0" smtClean="0"/>
               <a:t>缓存结合点</a:t>
             </a:r>
             <a:endParaRPr lang="zh-CN" altLang="en-US" dirty="0"/>
@@ -3900,6 +4411,141 @@
     <p:extLst>
       <p:ext uri="{BB962C8B-B14F-4D97-AF65-F5344CB8AC3E}">
         <p14:creationId xmlns:p14="http://schemas.microsoft.com/office/powerpoint/2010/main" val="692912538"/>
+      </p:ext>
+    </p:extLst>
+  </p:cSld>
+  <p:clrMapOvr>
+    <a:masterClrMapping/>
+  </p:clrMapOvr>
+</p:sld>
+</file>
+
+<file path=ppt/slides/slide9.xml><?xml version="1.0" encoding="utf-8"?>
+<p:sld xmlns:a="http://schemas.openxmlformats.org/drawingml/2006/main" xmlns:r="http://schemas.openxmlformats.org/officeDocument/2006/relationships" xmlns:p="http://schemas.openxmlformats.org/presentationml/2006/main">
+  <p:cSld>
+    <p:spTree>
+      <p:nvGrpSpPr>
+        <p:cNvPr id="1" name=""/>
+        <p:cNvGrpSpPr/>
+        <p:nvPr/>
+      </p:nvGrpSpPr>
+      <p:grpSpPr>
+        <a:xfrm>
+          <a:off x="0" y="0"/>
+          <a:ext cx="0" cy="0"/>
+          <a:chOff x="0" y="0"/>
+          <a:chExt cx="0" cy="0"/>
+        </a:xfrm>
+      </p:grpSpPr>
+      <p:sp>
+        <p:nvSpPr>
+          <p:cNvPr id="2" name="标题 1"/>
+          <p:cNvSpPr>
+            <a:spLocks noGrp="1"/>
+          </p:cNvSpPr>
+          <p:nvPr>
+            <p:ph type="title"/>
+          </p:nvPr>
+        </p:nvSpPr>
+        <p:spPr/>
+        <p:txBody>
+          <a:bodyPr/>
+          <a:lstStyle/>
+          <a:p>
+            <a:r>
+              <a:rPr lang="zh-CN" altLang="en-US" dirty="0" smtClean="0"/>
+              <a:t>着色器</a:t>
+            </a:r>
+            <a:endParaRPr lang="zh-CN" altLang="en-US" dirty="0"/>
+          </a:p>
+        </p:txBody>
+      </p:sp>
+      <p:sp>
+        <p:nvSpPr>
+          <p:cNvPr id="3" name="内容占位符 2"/>
+          <p:cNvSpPr>
+            <a:spLocks noGrp="1"/>
+          </p:cNvSpPr>
+          <p:nvPr>
+            <p:ph idx="1"/>
+          </p:nvPr>
+        </p:nvSpPr>
+        <p:spPr/>
+        <p:txBody>
+          <a:bodyPr/>
+          <a:lstStyle/>
+          <a:p>
+            <a:r>
+              <a:rPr lang="en-US" altLang="zh-CN" dirty="0" err="1" smtClean="0"/>
+              <a:t>glCrateShader</a:t>
+            </a:r>
+            <a:r>
+              <a:rPr lang="en-US" altLang="zh-CN" dirty="0" smtClean="0"/>
+              <a:t>()</a:t>
+            </a:r>
+          </a:p>
+          <a:p>
+            <a:pPr lvl="1"/>
+            <a:r>
+              <a:rPr lang="zh-CN" altLang="en-US" dirty="0" smtClean="0"/>
+              <a:t>分配着色器对象</a:t>
+            </a:r>
+            <a:endParaRPr lang="en-US" altLang="zh-CN" dirty="0" smtClean="0"/>
+          </a:p>
+          <a:p>
+            <a:r>
+              <a:rPr lang="en-US" altLang="zh-CN" dirty="0" err="1"/>
+              <a:t>glShaderSource</a:t>
+            </a:r>
+            <a:r>
+              <a:rPr lang="en-US" altLang="zh-CN" dirty="0" smtClean="0"/>
+              <a:t>()</a:t>
+            </a:r>
+          </a:p>
+          <a:p>
+            <a:pPr lvl="1"/>
+            <a:r>
+              <a:rPr lang="zh-CN" altLang="en-US" dirty="0"/>
+              <a:t>着色</a:t>
+            </a:r>
+            <a:r>
+              <a:rPr lang="zh-CN" altLang="en-US" dirty="0" smtClean="0"/>
+              <a:t>器源文件关联到着色器对象</a:t>
+            </a:r>
+            <a:endParaRPr lang="en-US" altLang="zh-CN" dirty="0" smtClean="0"/>
+          </a:p>
+          <a:p>
+            <a:pPr lvl="1"/>
+            <a:r>
+              <a:rPr lang="zh-CN" altLang="en-US" dirty="0" smtClean="0"/>
+              <a:t>相当于复制内容到着色器</a:t>
+            </a:r>
+            <a:endParaRPr lang="en-US" altLang="zh-CN" dirty="0"/>
+          </a:p>
+          <a:p>
+            <a:r>
+              <a:rPr lang="en-US" altLang="zh-CN" dirty="0" err="1" smtClean="0"/>
+              <a:t>glCompileShader</a:t>
+            </a:r>
+            <a:r>
+              <a:rPr lang="en-US" altLang="zh-CN" dirty="0" smtClean="0"/>
+              <a:t>()</a:t>
+            </a:r>
+          </a:p>
+          <a:p>
+            <a:pPr lvl="1"/>
+            <a:r>
+              <a:rPr lang="zh-CN" altLang="en-US" dirty="0" smtClean="0"/>
+              <a:t>编译</a:t>
+            </a:r>
+            <a:endParaRPr lang="en-US" altLang="zh-CN" dirty="0" smtClean="0"/>
+          </a:p>
+        </p:txBody>
+      </p:sp>
+    </p:spTree>
+    <p:extLst>
+      <p:ext uri="{BB962C8B-B14F-4D97-AF65-F5344CB8AC3E}">
+        <p14:creationId xmlns:p14="http://schemas.microsoft.com/office/powerpoint/2010/main" val="3074913994"/>
       </p:ext>
     </p:extLst>
   </p:cSld>

--- a/doc/opengl.pptx
+++ b/doc/opengl.pptx
@@ -17,6 +17,8 @@
     <p:sldId id="265" r:id="rId11"/>
     <p:sldId id="266" r:id="rId12"/>
     <p:sldId id="267" r:id="rId13"/>
+    <p:sldId id="268" r:id="rId14"/>
+    <p:sldId id="269" r:id="rId15"/>
   </p:sldIdLst>
   <p:sldSz cx="12192000" cy="6858000"/>
   <p:notesSz cx="6858000" cy="9144000"/>
@@ -254,7 +256,7 @@
           <a:p>
             <a:fld id="{E8C6B3D7-4B8F-4C9D-B13D-A2E5FC73F80D}" type="datetimeFigureOut">
               <a:rPr lang="zh-CN" altLang="en-US" smtClean="0"/>
-              <a:t>2019/6/8</a:t>
+              <a:t>2019/6/16</a:t>
             </a:fld>
             <a:endParaRPr lang="zh-CN" altLang="en-US"/>
           </a:p>
@@ -424,7 +426,7 @@
           <a:p>
             <a:fld id="{E8C6B3D7-4B8F-4C9D-B13D-A2E5FC73F80D}" type="datetimeFigureOut">
               <a:rPr lang="zh-CN" altLang="en-US" smtClean="0"/>
-              <a:t>2019/6/8</a:t>
+              <a:t>2019/6/16</a:t>
             </a:fld>
             <a:endParaRPr lang="zh-CN" altLang="en-US"/>
           </a:p>
@@ -604,7 +606,7 @@
           <a:p>
             <a:fld id="{E8C6B3D7-4B8F-4C9D-B13D-A2E5FC73F80D}" type="datetimeFigureOut">
               <a:rPr lang="zh-CN" altLang="en-US" smtClean="0"/>
-              <a:t>2019/6/8</a:t>
+              <a:t>2019/6/16</a:t>
             </a:fld>
             <a:endParaRPr lang="zh-CN" altLang="en-US"/>
           </a:p>
@@ -774,7 +776,7 @@
           <a:p>
             <a:fld id="{E8C6B3D7-4B8F-4C9D-B13D-A2E5FC73F80D}" type="datetimeFigureOut">
               <a:rPr lang="zh-CN" altLang="en-US" smtClean="0"/>
-              <a:t>2019/6/8</a:t>
+              <a:t>2019/6/16</a:t>
             </a:fld>
             <a:endParaRPr lang="zh-CN" altLang="en-US"/>
           </a:p>
@@ -1020,7 +1022,7 @@
           <a:p>
             <a:fld id="{E8C6B3D7-4B8F-4C9D-B13D-A2E5FC73F80D}" type="datetimeFigureOut">
               <a:rPr lang="zh-CN" altLang="en-US" smtClean="0"/>
-              <a:t>2019/6/8</a:t>
+              <a:t>2019/6/16</a:t>
             </a:fld>
             <a:endParaRPr lang="zh-CN" altLang="en-US"/>
           </a:p>
@@ -1252,7 +1254,7 @@
           <a:p>
             <a:fld id="{E8C6B3D7-4B8F-4C9D-B13D-A2E5FC73F80D}" type="datetimeFigureOut">
               <a:rPr lang="zh-CN" altLang="en-US" smtClean="0"/>
-              <a:t>2019/6/8</a:t>
+              <a:t>2019/6/16</a:t>
             </a:fld>
             <a:endParaRPr lang="zh-CN" altLang="en-US"/>
           </a:p>
@@ -1619,7 +1621,7 @@
           <a:p>
             <a:fld id="{E8C6B3D7-4B8F-4C9D-B13D-A2E5FC73F80D}" type="datetimeFigureOut">
               <a:rPr lang="zh-CN" altLang="en-US" smtClean="0"/>
-              <a:t>2019/6/8</a:t>
+              <a:t>2019/6/16</a:t>
             </a:fld>
             <a:endParaRPr lang="zh-CN" altLang="en-US"/>
           </a:p>
@@ -1737,7 +1739,7 @@
           <a:p>
             <a:fld id="{E8C6B3D7-4B8F-4C9D-B13D-A2E5FC73F80D}" type="datetimeFigureOut">
               <a:rPr lang="zh-CN" altLang="en-US" smtClean="0"/>
-              <a:t>2019/6/8</a:t>
+              <a:t>2019/6/16</a:t>
             </a:fld>
             <a:endParaRPr lang="zh-CN" altLang="en-US"/>
           </a:p>
@@ -1832,7 +1834,7 @@
           <a:p>
             <a:fld id="{E8C6B3D7-4B8F-4C9D-B13D-A2E5FC73F80D}" type="datetimeFigureOut">
               <a:rPr lang="zh-CN" altLang="en-US" smtClean="0"/>
-              <a:t>2019/6/8</a:t>
+              <a:t>2019/6/16</a:t>
             </a:fld>
             <a:endParaRPr lang="zh-CN" altLang="en-US"/>
           </a:p>
@@ -2109,7 +2111,7 @@
           <a:p>
             <a:fld id="{E8C6B3D7-4B8F-4C9D-B13D-A2E5FC73F80D}" type="datetimeFigureOut">
               <a:rPr lang="zh-CN" altLang="en-US" smtClean="0"/>
-              <a:t>2019/6/8</a:t>
+              <a:t>2019/6/16</a:t>
             </a:fld>
             <a:endParaRPr lang="zh-CN" altLang="en-US"/>
           </a:p>
@@ -2362,7 +2364,7 @@
           <a:p>
             <a:fld id="{E8C6B3D7-4B8F-4C9D-B13D-A2E5FC73F80D}" type="datetimeFigureOut">
               <a:rPr lang="zh-CN" altLang="en-US" smtClean="0"/>
-              <a:t>2019/6/8</a:t>
+              <a:t>2019/6/16</a:t>
             </a:fld>
             <a:endParaRPr lang="zh-CN" altLang="en-US"/>
           </a:p>
@@ -2575,7 +2577,7 @@
           <a:p>
             <a:fld id="{E8C6B3D7-4B8F-4C9D-B13D-A2E5FC73F80D}" type="datetimeFigureOut">
               <a:rPr lang="zh-CN" altLang="en-US" smtClean="0"/>
-              <a:t>2019/6/8</a:t>
+              <a:t>2019/6/16</a:t>
             </a:fld>
             <a:endParaRPr lang="zh-CN" altLang="en-US"/>
           </a:p>
@@ -3375,6 +3377,244 @@
 </p:sld>
 </file>
 
+<file path=ppt/slides/slide13.xml><?xml version="1.0" encoding="utf-8"?>
+<p:sld xmlns:a="http://schemas.openxmlformats.org/drawingml/2006/main" xmlns:r="http://schemas.openxmlformats.org/officeDocument/2006/relationships" xmlns:p="http://schemas.openxmlformats.org/presentationml/2006/main">
+  <p:cSld>
+    <p:spTree>
+      <p:nvGrpSpPr>
+        <p:cNvPr id="1" name=""/>
+        <p:cNvGrpSpPr/>
+        <p:nvPr/>
+      </p:nvGrpSpPr>
+      <p:grpSpPr>
+        <a:xfrm>
+          <a:off x="0" y="0"/>
+          <a:ext cx="0" cy="0"/>
+          <a:chOff x="0" y="0"/>
+          <a:chExt cx="0" cy="0"/>
+        </a:xfrm>
+      </p:grpSpPr>
+      <p:sp>
+        <p:nvSpPr>
+          <p:cNvPr id="2" name="标题 1"/>
+          <p:cNvSpPr>
+            <a:spLocks noGrp="1"/>
+          </p:cNvSpPr>
+          <p:nvPr>
+            <p:ph type="title"/>
+          </p:nvPr>
+        </p:nvSpPr>
+        <p:spPr/>
+        <p:txBody>
+          <a:bodyPr/>
+          <a:lstStyle/>
+          <a:p>
+            <a:r>
+              <a:rPr lang="zh-CN" altLang="en-US" dirty="0" smtClean="0"/>
+              <a:t>纹理</a:t>
+            </a:r>
+            <a:endParaRPr lang="zh-CN" altLang="en-US" dirty="0"/>
+          </a:p>
+        </p:txBody>
+      </p:sp>
+      <p:sp>
+        <p:nvSpPr>
+          <p:cNvPr id="3" name="内容占位符 2"/>
+          <p:cNvSpPr>
+            <a:spLocks noGrp="1"/>
+          </p:cNvSpPr>
+          <p:nvPr>
+            <p:ph idx="1"/>
+          </p:nvPr>
+        </p:nvSpPr>
+        <p:spPr/>
+        <p:txBody>
+          <a:bodyPr/>
+          <a:lstStyle/>
+          <a:p>
+            <a:r>
+              <a:rPr lang="zh-CN" altLang="en-US" dirty="0" smtClean="0"/>
+              <a:t>纹理是一个二维图片（或者</a:t>
+            </a:r>
+            <a:r>
+              <a:rPr lang="en-US" altLang="zh-CN" dirty="0" smtClean="0"/>
+              <a:t>1D.3D</a:t>
+            </a:r>
+            <a:r>
+              <a:rPr lang="zh-CN" altLang="en-US" dirty="0" smtClean="0"/>
+              <a:t>的纹理）</a:t>
+            </a:r>
+            <a:endParaRPr lang="en-US" altLang="zh-CN" dirty="0" smtClean="0"/>
+          </a:p>
+          <a:p>
+            <a:r>
+              <a:rPr lang="zh-CN" altLang="en-US" dirty="0" smtClean="0"/>
+              <a:t>纹理坐标</a:t>
+            </a:r>
+            <a:r>
+              <a:rPr lang="en-US" altLang="zh-CN" dirty="0" smtClean="0"/>
+              <a:t>(0,0)</a:t>
+            </a:r>
+            <a:r>
+              <a:rPr lang="zh-CN" altLang="en-US" dirty="0" smtClean="0"/>
+              <a:t>到（</a:t>
+            </a:r>
+            <a:r>
+              <a:rPr lang="en-US" altLang="zh-CN" dirty="0" smtClean="0"/>
+              <a:t>1</a:t>
+            </a:r>
+            <a:r>
+              <a:rPr lang="zh-CN" altLang="en-US" dirty="0" smtClean="0"/>
+              <a:t>，</a:t>
+            </a:r>
+            <a:r>
+              <a:rPr lang="en-US" altLang="zh-CN" dirty="0" smtClean="0"/>
+              <a:t>1</a:t>
+            </a:r>
+            <a:r>
+              <a:rPr lang="zh-CN" altLang="en-US" dirty="0" smtClean="0"/>
+              <a:t>）</a:t>
+            </a:r>
+            <a:endParaRPr lang="en-US" altLang="zh-CN" dirty="0" smtClean="0"/>
+          </a:p>
+          <a:p>
+            <a:r>
+              <a:rPr lang="zh-CN" altLang="en-US" dirty="0" smtClean="0"/>
+              <a:t>采样是指从纹理坐标获取纹理颜色的过程</a:t>
+            </a:r>
+            <a:endParaRPr lang="zh-CN" altLang="en-US" dirty="0"/>
+          </a:p>
+        </p:txBody>
+      </p:sp>
+    </p:spTree>
+    <p:extLst>
+      <p:ext uri="{BB962C8B-B14F-4D97-AF65-F5344CB8AC3E}">
+        <p14:creationId xmlns:p14="http://schemas.microsoft.com/office/powerpoint/2010/main" val="4231877562"/>
+      </p:ext>
+    </p:extLst>
+  </p:cSld>
+  <p:clrMapOvr>
+    <a:masterClrMapping/>
+  </p:clrMapOvr>
+</p:sld>
+</file>
+
+<file path=ppt/slides/slide14.xml><?xml version="1.0" encoding="utf-8"?>
+<p:sld xmlns:a="http://schemas.openxmlformats.org/drawingml/2006/main" xmlns:r="http://schemas.openxmlformats.org/officeDocument/2006/relationships" xmlns:p="http://schemas.openxmlformats.org/presentationml/2006/main">
+  <p:cSld>
+    <p:spTree>
+      <p:nvGrpSpPr>
+        <p:cNvPr id="1" name=""/>
+        <p:cNvGrpSpPr/>
+        <p:nvPr/>
+      </p:nvGrpSpPr>
+      <p:grpSpPr>
+        <a:xfrm>
+          <a:off x="0" y="0"/>
+          <a:ext cx="0" cy="0"/>
+          <a:chOff x="0" y="0"/>
+          <a:chExt cx="0" cy="0"/>
+        </a:xfrm>
+      </p:grpSpPr>
+      <p:sp>
+        <p:nvSpPr>
+          <p:cNvPr id="2" name="标题 1"/>
+          <p:cNvSpPr>
+            <a:spLocks noGrp="1"/>
+          </p:cNvSpPr>
+          <p:nvPr>
+            <p:ph type="title"/>
+          </p:nvPr>
+        </p:nvSpPr>
+        <p:spPr/>
+        <p:txBody>
+          <a:bodyPr/>
+          <a:lstStyle/>
+          <a:p>
+            <a:r>
+              <a:rPr lang="zh-CN" altLang="en-US" dirty="0" smtClean="0"/>
+              <a:t>纹理环绕方式</a:t>
+            </a:r>
+            <a:endParaRPr lang="zh-CN" altLang="en-US" dirty="0"/>
+          </a:p>
+        </p:txBody>
+      </p:sp>
+      <p:sp>
+        <p:nvSpPr>
+          <p:cNvPr id="3" name="内容占位符 2"/>
+          <p:cNvSpPr>
+            <a:spLocks noGrp="1"/>
+          </p:cNvSpPr>
+          <p:nvPr>
+            <p:ph idx="1"/>
+          </p:nvPr>
+        </p:nvSpPr>
+        <p:spPr/>
+        <p:txBody>
+          <a:bodyPr/>
+          <a:lstStyle/>
+          <a:p>
+            <a:r>
+              <a:rPr lang="en-US" altLang="zh-CN" dirty="0" smtClean="0"/>
+              <a:t>GL_REPEAT:</a:t>
+            </a:r>
+            <a:r>
+              <a:rPr lang="zh-CN" altLang="en-US" dirty="0" smtClean="0"/>
+              <a:t>默认值</a:t>
+            </a:r>
+            <a:endParaRPr lang="en-US" altLang="zh-CN" dirty="0" smtClean="0"/>
+          </a:p>
+          <a:p>
+            <a:r>
+              <a:rPr lang="en-US" altLang="zh-CN" dirty="0" smtClean="0"/>
+              <a:t>GL_MIRRORED_REPEAT:</a:t>
+            </a:r>
+            <a:r>
+              <a:rPr lang="zh-CN" altLang="en-US" dirty="0" smtClean="0"/>
+              <a:t>镜像重复</a:t>
+            </a:r>
+            <a:endParaRPr lang="en-US" altLang="zh-CN" dirty="0" smtClean="0"/>
+          </a:p>
+          <a:p>
+            <a:r>
+              <a:rPr lang="en-US" altLang="zh-CN" dirty="0" smtClean="0"/>
+              <a:t>GL_CLAMP_TO_EDGE:</a:t>
+            </a:r>
+            <a:r>
+              <a:rPr lang="zh-CN" altLang="en-US" dirty="0" smtClean="0"/>
+              <a:t>超出部分重复边缘</a:t>
+            </a:r>
+            <a:endParaRPr lang="en-US" altLang="zh-CN" dirty="0" smtClean="0"/>
+          </a:p>
+          <a:p>
+            <a:r>
+              <a:rPr lang="en-US" altLang="zh-CN" dirty="0" smtClean="0"/>
+              <a:t>GL_CLAMP_TO_BORDER</a:t>
+            </a:r>
+            <a:r>
+              <a:rPr lang="zh-CN" altLang="en-US" smtClean="0"/>
+              <a:t>：超出部分为用户指定的颜色</a:t>
+            </a:r>
+            <a:endParaRPr lang="zh-CN" altLang="en-US" dirty="0"/>
+          </a:p>
+          <a:p>
+            <a:endParaRPr lang="zh-CN" altLang="en-US" dirty="0"/>
+          </a:p>
+        </p:txBody>
+      </p:sp>
+    </p:spTree>
+    <p:extLst>
+      <p:ext uri="{BB962C8B-B14F-4D97-AF65-F5344CB8AC3E}">
+        <p14:creationId xmlns:p14="http://schemas.microsoft.com/office/powerpoint/2010/main" val="552477286"/>
+      </p:ext>
+    </p:extLst>
+  </p:cSld>
+  <p:clrMapOvr>
+    <a:masterClrMapping/>
+  </p:clrMapOvr>
+</p:sld>
+</file>
+
 <file path=ppt/slides/slide2.xml><?xml version="1.0" encoding="utf-8"?>
 <p:sld xmlns:a="http://schemas.openxmlformats.org/drawingml/2006/main" xmlns:r="http://schemas.openxmlformats.org/officeDocument/2006/relationships" xmlns:p="http://schemas.openxmlformats.org/presentationml/2006/main">
   <p:cSld>
